--- a/01安井_02吉本_積み木タイムアタック.pptx
+++ b/01安井_02吉本_積み木タイムアタック.pptx
@@ -7021,54 +7021,6 @@
                 </a:solidFill>
               </a:rPr>
               <a:t>とふれあうことにより解消</a:t>
-            </a:r>
-          </a:p>
-        </p:txBody>
-      </p:sp>
-      <p:sp>
-        <p:nvSpPr>
-          <p:cNvPr id="3" name="正方形/長方形 2"/>
-          <p:cNvSpPr/>
-          <p:nvPr/>
-        </p:nvSpPr>
-        <p:spPr>
-          <a:xfrm>
-            <a:off x="1440000" y="180000"/>
-            <a:ext cx="5957720" cy="461665"/>
-          </a:xfrm>
-          <a:prstGeom prst="rect">
-            <a:avLst/>
-          </a:prstGeom>
-          <a:solidFill>
-            <a:schemeClr val="bg1"/>
-          </a:solidFill>
-          <a:ln w="12700">
-            <a:solidFill>
-              <a:srgbClr val="0000FF"/>
-            </a:solidFill>
-          </a:ln>
-        </p:spPr>
-        <p:txBody>
-          <a:bodyPr wrap="square">
-            <a:spAutoFit/>
-          </a:bodyPr>
-          <a:lstStyle/>
-          <a:p>
-            <a:r>
-              <a:rPr lang="en-US" altLang="ja-JP" sz="2400" dirty="0">
-                <a:solidFill>
-                  <a:srgbClr val="0000FF"/>
-                </a:solidFill>
-              </a:rPr>
-              <a:t>3D</a:t>
-            </a:r>
-            <a:r>
-              <a:rPr lang="ja-JP" altLang="en-US" sz="2400" dirty="0">
-                <a:solidFill>
-                  <a:srgbClr val="0000FF"/>
-                </a:solidFill>
-              </a:rPr>
-              <a:t>コンテンツ作成の背景についての説明</a:t>
             </a:r>
           </a:p>
         </p:txBody>
@@ -8000,8 +7952,8 @@
         </p:nvSpPr>
         <p:spPr>
           <a:xfrm>
-            <a:off x="1775520" y="1628800"/>
-            <a:ext cx="2642070" cy="3416320"/>
+            <a:off x="482429" y="1653014"/>
+            <a:ext cx="6955750" cy="1938992"/>
           </a:xfrm>
           <a:prstGeom prst="rect">
             <a:avLst/>
@@ -8014,33 +7966,37 @@
           </a:bodyPr>
           <a:lstStyle/>
           <a:p>
-            <a:pPr marL="285750" indent="-285750">
-              <a:buFont typeface="Wingdings" panose="05000000000000000000" pitchFamily="2" charset="2"/>
-              <a:buChar char="u"/>
-            </a:pPr>
-            <a:r>
-              <a:rPr lang="ja-JP" altLang="en-US" sz="2400">
+            <a:r>
+              <a:rPr lang="ja-JP" altLang="en-US" sz="2400" dirty="0">
                 <a:solidFill>
                   <a:srgbClr val="002060"/>
                 </a:solidFill>
               </a:rPr>
-              <a:t>ボタン１</a:t>
-            </a:r>
-            <a:endParaRPr lang="en-US" altLang="ja-JP" sz="2400">
+              <a:t>②左トラックパッドでゲーム内の移動</a:t>
+            </a:r>
+            <a:endParaRPr lang="en-US" altLang="ja-JP" sz="2400" dirty="0">
               <a:solidFill>
                 <a:srgbClr val="002060"/>
               </a:solidFill>
             </a:endParaRPr>
           </a:p>
           <a:p>
-            <a:endParaRPr lang="en-US" altLang="ja-JP" sz="2400">
+            <a:r>
+              <a:rPr lang="ja-JP" altLang="en-US" sz="2400" dirty="0">
+                <a:solidFill>
+                  <a:srgbClr val="002060"/>
+                </a:solidFill>
+              </a:rPr>
+              <a:t>　右トラックパッドと頭を動かすことで視点移動</a:t>
+            </a:r>
+            <a:endParaRPr lang="en-US" altLang="ja-JP" sz="2400" dirty="0">
               <a:solidFill>
                 <a:srgbClr val="002060"/>
               </a:solidFill>
             </a:endParaRPr>
           </a:p>
           <a:p>
-            <a:endParaRPr lang="en-US" altLang="ja-JP" sz="2400">
+            <a:endParaRPr lang="en-US" altLang="ja-JP" sz="2400" dirty="0">
               <a:solidFill>
                 <a:srgbClr val="002060"/>
               </a:solidFill>
@@ -8048,294 +8004,58 @@
           </a:p>
           <a:p>
             <a:r>
-              <a:rPr lang="ja-JP" altLang="en-US" sz="2400">
+              <a:rPr lang="ja-JP" altLang="en-US" sz="2400" dirty="0">
                 <a:solidFill>
                   <a:srgbClr val="002060"/>
                 </a:solidFill>
               </a:rPr>
-              <a:t>ゲームスタート</a:t>
-            </a:r>
-            <a:endParaRPr lang="en-US" altLang="ja-JP" sz="2400">
+              <a:t>⑧グリップボタンで物を掴み、離す</a:t>
+            </a:r>
+            <a:endParaRPr lang="en-US" altLang="ja-JP" sz="2400" dirty="0">
               <a:solidFill>
                 <a:srgbClr val="002060"/>
               </a:solidFill>
             </a:endParaRPr>
           </a:p>
           <a:p>
-            <a:pPr marL="285750" indent="-285750">
-              <a:buFont typeface="Wingdings" panose="05000000000000000000" pitchFamily="2" charset="2"/>
-              <a:buChar char="u"/>
-            </a:pPr>
-            <a:endParaRPr lang="en-US" altLang="ja-JP" sz="2400">
+            <a:endParaRPr lang="en-US" altLang="ja-JP" sz="2400" dirty="0">
               <a:solidFill>
                 <a:srgbClr val="002060"/>
               </a:solidFill>
             </a:endParaRPr>
           </a:p>
-          <a:p>
-            <a:endParaRPr lang="en-US" altLang="ja-JP" sz="2400">
-              <a:solidFill>
-                <a:srgbClr val="002060"/>
-              </a:solidFill>
-            </a:endParaRPr>
-          </a:p>
-          <a:p>
-            <a:pPr marL="285750" indent="-285750">
-              <a:buFont typeface="Wingdings" panose="05000000000000000000" pitchFamily="2" charset="2"/>
-              <a:buChar char="u"/>
-            </a:pPr>
-            <a:endParaRPr lang="en-US" altLang="ja-JP" sz="2400">
-              <a:solidFill>
-                <a:srgbClr val="002060"/>
-              </a:solidFill>
-            </a:endParaRPr>
-          </a:p>
-          <a:p>
-            <a:endParaRPr lang="en-US" altLang="ja-JP" sz="2400">
-              <a:solidFill>
-                <a:srgbClr val="002060"/>
-              </a:solidFill>
-            </a:endParaRPr>
-          </a:p>
-          <a:p>
-            <a:pPr marL="285750" indent="-285750">
-              <a:buFont typeface="Wingdings" panose="05000000000000000000" pitchFamily="2" charset="2"/>
-              <a:buChar char="u"/>
-            </a:pPr>
-            <a:r>
-              <a:rPr lang="ja-JP" altLang="en-US" sz="2400">
-                <a:solidFill>
-                  <a:srgbClr val="002060"/>
-                </a:solidFill>
-              </a:rPr>
-              <a:t>十字キーで歩く</a:t>
-            </a:r>
-            <a:endParaRPr lang="en-US" altLang="ja-JP" sz="2400">
-              <a:solidFill>
-                <a:srgbClr val="002060"/>
-              </a:solidFill>
-            </a:endParaRPr>
-          </a:p>
         </p:txBody>
       </p:sp>
       <p:pic>
         <p:nvPicPr>
-          <p:cNvPr id="20" name="図 19"/>
+          <p:cNvPr id="3" name="図 2">
+            <a:extLst>
+              <a:ext uri="{FF2B5EF4-FFF2-40B4-BE49-F238E27FC236}">
+                <a16:creationId xmlns:a16="http://schemas.microsoft.com/office/drawing/2014/main" id="{F4844B49-1A1E-70AF-7D58-BC699385A407}"/>
+              </a:ext>
+            </a:extLst>
+          </p:cNvPr>
           <p:cNvPicPr>
             <a:picLocks noChangeAspect="1"/>
           </p:cNvPicPr>
           <p:nvPr/>
         </p:nvPicPr>
         <p:blipFill>
-          <a:blip r:embed="rId2" cstate="print">
-            <a:extLst>
-              <a:ext uri="{28A0092B-C50C-407E-A947-70E740481C1C}">
-                <a14:useLocalDpi xmlns:a14="http://schemas.microsoft.com/office/drawing/2010/main" val="0"/>
-              </a:ext>
-            </a:extLst>
-          </a:blip>
+          <a:blip r:embed="rId2"/>
           <a:stretch>
             <a:fillRect/>
           </a:stretch>
         </p:blipFill>
         <p:spPr>
           <a:xfrm>
-            <a:off x="5881238" y="4077072"/>
-            <a:ext cx="3421643" cy="2517813"/>
+            <a:off x="5263852" y="2456892"/>
+            <a:ext cx="4762500" cy="3886200"/>
           </a:xfrm>
           <a:prstGeom prst="rect">
             <a:avLst/>
           </a:prstGeom>
         </p:spPr>
       </p:pic>
-      <p:sp>
-        <p:nvSpPr>
-          <p:cNvPr id="21" name="ドーナツ 20"/>
-          <p:cNvSpPr/>
-          <p:nvPr/>
-        </p:nvSpPr>
-        <p:spPr>
-          <a:xfrm>
-            <a:off x="6672064" y="4581128"/>
-            <a:ext cx="576064" cy="554360"/>
-          </a:xfrm>
-          <a:prstGeom prst="donut">
-            <a:avLst>
-              <a:gd name="adj" fmla="val 7681"/>
-            </a:avLst>
-          </a:prstGeom>
-          <a:solidFill>
-            <a:srgbClr val="FF0000"/>
-          </a:solidFill>
-          <a:ln>
-            <a:solidFill>
-              <a:srgbClr val="FF0000"/>
-            </a:solidFill>
-          </a:ln>
-        </p:spPr>
-        <p:style>
-          <a:lnRef idx="2">
-            <a:schemeClr val="accent1">
-              <a:shade val="50000"/>
-            </a:schemeClr>
-          </a:lnRef>
-          <a:fillRef idx="1">
-            <a:schemeClr val="accent1"/>
-          </a:fillRef>
-          <a:effectRef idx="0">
-            <a:schemeClr val="accent1"/>
-          </a:effectRef>
-          <a:fontRef idx="minor">
-            <a:schemeClr val="lt1"/>
-          </a:fontRef>
-        </p:style>
-        <p:txBody>
-          <a:bodyPr rtlCol="0" anchor="ctr"/>
-          <a:lstStyle/>
-          <a:p>
-            <a:pPr algn="ctr"/>
-            <a:endParaRPr lang="ja-JP" altLang="en-US">
-              <a:solidFill>
-                <a:schemeClr val="tx1"/>
-              </a:solidFill>
-            </a:endParaRPr>
-          </a:p>
-        </p:txBody>
-      </p:sp>
-      <p:cxnSp>
-        <p:nvCxnSpPr>
-          <p:cNvPr id="23" name="直線矢印コネクタ 22"/>
-          <p:cNvCxnSpPr>
-            <a:endCxn id="21" idx="2"/>
-          </p:cNvCxnSpPr>
-          <p:nvPr/>
-        </p:nvCxnSpPr>
-        <p:spPr>
-          <a:xfrm>
-            <a:off x="4417590" y="4782636"/>
-            <a:ext cx="2254474" cy="75672"/>
-          </a:xfrm>
-          <a:prstGeom prst="straightConnector1">
-            <a:avLst/>
-          </a:prstGeom>
-          <a:ln w="57150">
-            <a:solidFill>
-              <a:srgbClr val="00B0F0"/>
-            </a:solidFill>
-            <a:tailEnd type="triangle"/>
-          </a:ln>
-        </p:spPr>
-        <p:style>
-          <a:lnRef idx="1">
-            <a:schemeClr val="accent1"/>
-          </a:lnRef>
-          <a:fillRef idx="0">
-            <a:schemeClr val="accent1"/>
-          </a:fillRef>
-          <a:effectRef idx="0">
-            <a:schemeClr val="accent1"/>
-          </a:effectRef>
-          <a:fontRef idx="minor">
-            <a:schemeClr val="tx1"/>
-          </a:fontRef>
-        </p:style>
-      </p:cxnSp>
-      <p:sp>
-        <p:nvSpPr>
-          <p:cNvPr id="28" name="下矢印 27"/>
-          <p:cNvSpPr/>
-          <p:nvPr/>
-        </p:nvSpPr>
-        <p:spPr>
-          <a:xfrm>
-            <a:off x="2495600" y="2204864"/>
-            <a:ext cx="484632" cy="504056"/>
-          </a:xfrm>
-          <a:prstGeom prst="downArrow">
-            <a:avLst/>
-          </a:prstGeom>
-          <a:solidFill>
-            <a:srgbClr val="00B0F0"/>
-          </a:solidFill>
-          <a:ln>
-            <a:solidFill>
-              <a:srgbClr val="00B0F0"/>
-            </a:solidFill>
-          </a:ln>
-        </p:spPr>
-        <p:style>
-          <a:lnRef idx="2">
-            <a:schemeClr val="accent1">
-              <a:shade val="50000"/>
-            </a:schemeClr>
-          </a:lnRef>
-          <a:fillRef idx="1">
-            <a:schemeClr val="accent1"/>
-          </a:fillRef>
-          <a:effectRef idx="0">
-            <a:schemeClr val="accent1"/>
-          </a:effectRef>
-          <a:fontRef idx="minor">
-            <a:schemeClr val="lt1"/>
-          </a:fontRef>
-        </p:style>
-        <p:txBody>
-          <a:bodyPr rtlCol="0" anchor="ctr"/>
-          <a:lstStyle/>
-          <a:p>
-            <a:pPr algn="ctr"/>
-            <a:endParaRPr lang="ja-JP" altLang="en-US"/>
-          </a:p>
-        </p:txBody>
-      </p:sp>
-      <p:sp>
-        <p:nvSpPr>
-          <p:cNvPr id="9" name="正方形/長方形 8"/>
-          <p:cNvSpPr/>
-          <p:nvPr/>
-        </p:nvSpPr>
-        <p:spPr>
-          <a:xfrm>
-            <a:off x="1440000" y="180000"/>
-            <a:ext cx="6533783" cy="461665"/>
-          </a:xfrm>
-          <a:prstGeom prst="rect">
-            <a:avLst/>
-          </a:prstGeom>
-          <a:solidFill>
-            <a:schemeClr val="bg1"/>
-          </a:solidFill>
-          <a:ln w="12700">
-            <a:solidFill>
-              <a:srgbClr val="0000FF"/>
-            </a:solidFill>
-          </a:ln>
-        </p:spPr>
-        <p:txBody>
-          <a:bodyPr wrap="square">
-            <a:spAutoFit/>
-          </a:bodyPr>
-          <a:lstStyle/>
-          <a:p>
-            <a:r>
-              <a:rPr lang="en-US" altLang="ja-JP" sz="2400">
-                <a:solidFill>
-                  <a:srgbClr val="0000FF"/>
-                </a:solidFill>
-              </a:rPr>
-              <a:t>3D</a:t>
-            </a:r>
-            <a:r>
-              <a:rPr lang="ja-JP" altLang="en-US" sz="2400">
-                <a:solidFill>
-                  <a:srgbClr val="0000FF"/>
-                </a:solidFill>
-              </a:rPr>
-              <a:t>コンテンツの使い方（操作方法）の説明</a:t>
-            </a:r>
-          </a:p>
-        </p:txBody>
-      </p:sp>
     </p:spTree>
     <p:extLst>
       <p:ext uri="{BB962C8B-B14F-4D97-AF65-F5344CB8AC3E}">
@@ -8396,7 +8116,7 @@
           <a:lstStyle/>
           <a:p>
             <a:r>
-              <a:rPr lang="en-US" altLang="ja-JP" sz="2400">
+              <a:rPr lang="en-US" altLang="ja-JP" sz="2400" dirty="0">
                 <a:solidFill>
                   <a:srgbClr val="0000FF"/>
                 </a:solidFill>
@@ -8404,7 +8124,7 @@
               <a:t>3D</a:t>
             </a:r>
             <a:r>
-              <a:rPr lang="ja-JP" altLang="en-US" sz="2400">
+              <a:rPr lang="ja-JP" altLang="en-US" sz="2400" dirty="0">
                 <a:solidFill>
                   <a:srgbClr val="0000FF"/>
                 </a:solidFill>
@@ -8412,7 +8132,7 @@
               <a:t>コンテンツの内容の説明（</a:t>
             </a:r>
             <a:r>
-              <a:rPr lang="en-US" altLang="ja-JP" sz="2400">
+              <a:rPr lang="en-US" altLang="ja-JP" sz="2400" dirty="0">
                 <a:solidFill>
                   <a:srgbClr val="0000FF"/>
                 </a:solidFill>
@@ -8420,7 +8140,7 @@
               <a:t>4</a:t>
             </a:r>
             <a:r>
-              <a:rPr lang="ja-JP" altLang="en-US" sz="2400">
+              <a:rPr lang="ja-JP" altLang="en-US" sz="2400" dirty="0">
                 <a:solidFill>
                   <a:srgbClr val="0000FF"/>
                 </a:solidFill>
@@ -8490,14 +8210,14 @@
               <a:buChar char="u"/>
             </a:pPr>
             <a:r>
-              <a:rPr lang="ja-JP" altLang="en-US" sz="2800">
+              <a:rPr lang="ja-JP" altLang="en-US" sz="2800" dirty="0">
                 <a:solidFill>
                   <a:srgbClr val="002060"/>
                 </a:solidFill>
               </a:rPr>
               <a:t>無人島を歩く</a:t>
             </a:r>
-            <a:endParaRPr lang="en-US" altLang="ja-JP" sz="2800">
+            <a:endParaRPr lang="en-US" altLang="ja-JP" sz="2800" dirty="0">
               <a:solidFill>
                 <a:srgbClr val="002060"/>
               </a:solidFill>
@@ -8508,7 +8228,7 @@
               <a:buFont typeface="Wingdings" panose="05000000000000000000" pitchFamily="2" charset="2"/>
               <a:buChar char="u"/>
             </a:pPr>
-            <a:endParaRPr lang="en-US" altLang="ja-JP" sz="2400">
+            <a:endParaRPr lang="en-US" altLang="ja-JP" sz="2400" dirty="0">
               <a:solidFill>
                 <a:srgbClr val="002060"/>
               </a:solidFill>
@@ -8520,14 +8240,14 @@
               <a:buChar char="•"/>
             </a:pPr>
             <a:r>
-              <a:rPr lang="ja-JP" altLang="en-US" sz="2200">
+              <a:rPr lang="ja-JP" altLang="en-US" sz="2200" dirty="0">
                 <a:solidFill>
                   <a:srgbClr val="002060"/>
                 </a:solidFill>
               </a:rPr>
               <a:t>山</a:t>
             </a:r>
-            <a:endParaRPr lang="en-US" altLang="ja-JP" sz="2200">
+            <a:endParaRPr lang="en-US" altLang="ja-JP" sz="2200" dirty="0">
               <a:solidFill>
                 <a:srgbClr val="002060"/>
               </a:solidFill>
@@ -8538,7 +8258,7 @@
               <a:buFont typeface="Arial" panose="020B0604020202020204" pitchFamily="34" charset="0"/>
               <a:buChar char="•"/>
             </a:pPr>
-            <a:endParaRPr lang="en-US" altLang="ja-JP" sz="2400">
+            <a:endParaRPr lang="en-US" altLang="ja-JP" sz="2400" dirty="0">
               <a:solidFill>
                 <a:srgbClr val="002060"/>
               </a:solidFill>
@@ -8550,14 +8270,14 @@
               <a:buChar char="•"/>
             </a:pPr>
             <a:r>
-              <a:rPr lang="ja-JP" altLang="en-US" sz="2400">
+              <a:rPr lang="ja-JP" altLang="en-US" sz="2400" dirty="0">
                 <a:solidFill>
                   <a:srgbClr val="002060"/>
                 </a:solidFill>
               </a:rPr>
               <a:t>林</a:t>
             </a:r>
-            <a:endParaRPr lang="en-US" altLang="ja-JP" sz="2400">
+            <a:endParaRPr lang="en-US" altLang="ja-JP" sz="2400" dirty="0">
               <a:solidFill>
                 <a:srgbClr val="002060"/>
               </a:solidFill>
@@ -8568,7 +8288,7 @@
               <a:buFont typeface="Arial" panose="020B0604020202020204" pitchFamily="34" charset="0"/>
               <a:buChar char="•"/>
             </a:pPr>
-            <a:endParaRPr lang="en-US" altLang="ja-JP" sz="2400">
+            <a:endParaRPr lang="en-US" altLang="ja-JP" sz="2400" dirty="0">
               <a:solidFill>
                 <a:srgbClr val="002060"/>
               </a:solidFill>
@@ -8580,14 +8300,14 @@
               <a:buChar char="•"/>
             </a:pPr>
             <a:r>
-              <a:rPr lang="ja-JP" altLang="en-US" sz="2400">
+              <a:rPr lang="ja-JP" altLang="en-US" sz="2400" dirty="0">
                 <a:solidFill>
                   <a:srgbClr val="002060"/>
                 </a:solidFill>
               </a:rPr>
               <a:t>湖</a:t>
             </a:r>
-            <a:endParaRPr lang="en-US" altLang="ja-JP" sz="2400">
+            <a:endParaRPr lang="en-US" altLang="ja-JP" sz="2400" dirty="0">
               <a:solidFill>
                 <a:srgbClr val="002060"/>
               </a:solidFill>
@@ -8598,7 +8318,7 @@
               <a:buFont typeface="Arial" panose="020B0604020202020204" pitchFamily="34" charset="0"/>
               <a:buChar char="•"/>
             </a:pPr>
-            <a:endParaRPr lang="en-US" altLang="ja-JP" sz="2400">
+            <a:endParaRPr lang="en-US" altLang="ja-JP" sz="2400" dirty="0">
               <a:solidFill>
                 <a:srgbClr val="002060"/>
               </a:solidFill>
@@ -8610,14 +8330,14 @@
               <a:buChar char="•"/>
             </a:pPr>
             <a:r>
-              <a:rPr lang="ja-JP" altLang="en-US" sz="2400">
+              <a:rPr lang="ja-JP" altLang="en-US" sz="2400" dirty="0">
                 <a:solidFill>
                   <a:srgbClr val="002060"/>
                 </a:solidFill>
               </a:rPr>
               <a:t>滝</a:t>
             </a:r>
-            <a:endParaRPr lang="en-US" altLang="ja-JP" sz="2400">
+            <a:endParaRPr lang="en-US" altLang="ja-JP" sz="2400" dirty="0">
               <a:solidFill>
                 <a:srgbClr val="002060"/>
               </a:solidFill>
@@ -8628,7 +8348,7 @@
               <a:buFont typeface="Arial" panose="020B0604020202020204" pitchFamily="34" charset="0"/>
               <a:buChar char="•"/>
             </a:pPr>
-            <a:endParaRPr lang="en-US" altLang="ja-JP" sz="2400">
+            <a:endParaRPr lang="en-US" altLang="ja-JP" sz="2400" dirty="0">
               <a:solidFill>
                 <a:srgbClr val="002060"/>
               </a:solidFill>
@@ -8640,21 +8360,21 @@
               <a:buChar char="•"/>
             </a:pPr>
             <a:r>
-              <a:rPr lang="ja-JP" altLang="en-US" sz="2400">
+              <a:rPr lang="ja-JP" altLang="en-US" sz="2400" dirty="0">
                 <a:solidFill>
                   <a:srgbClr val="002060"/>
                 </a:solidFill>
               </a:rPr>
               <a:t>砂浜</a:t>
             </a:r>
-            <a:endParaRPr lang="en-US" altLang="ja-JP" sz="2400">
+            <a:endParaRPr lang="en-US" altLang="ja-JP" sz="2400" dirty="0">
               <a:solidFill>
                 <a:srgbClr val="002060"/>
               </a:solidFill>
             </a:endParaRPr>
           </a:p>
           <a:p>
-            <a:endParaRPr lang="ja-JP" altLang="en-US" sz="2400">
+            <a:endParaRPr lang="ja-JP" altLang="en-US" sz="2400" dirty="0">
               <a:solidFill>
                 <a:srgbClr val="002060"/>
               </a:solidFill>
@@ -9246,7 +8966,7 @@
         <p:spPr>
           <a:xfrm>
             <a:off x="1080000" y="1080000"/>
-            <a:ext cx="2478415" cy="924475"/>
+            <a:ext cx="3944582" cy="924475"/>
           </a:xfrm>
           <a:prstGeom prst="rect">
             <a:avLst/>
@@ -9331,14 +9051,14 @@
           </a:lstStyle>
           <a:p>
             <a:r>
-              <a:rPr lang="ja-JP" altLang="en-US" sz="5400" b="1">
+              <a:rPr lang="ja-JP" altLang="en-US" sz="5400" b="1" dirty="0">
                 <a:solidFill>
                   <a:schemeClr val="accent6">
                     <a:lumMod val="50000"/>
                   </a:schemeClr>
                 </a:solidFill>
               </a:rPr>
-              <a:t>まとめ</a:t>
+              <a:t>現状報告</a:t>
             </a:r>
           </a:p>
         </p:txBody>
@@ -9353,8 +9073,8 @@
         </p:nvSpPr>
         <p:spPr>
           <a:xfrm>
-            <a:off x="1778898" y="2151547"/>
-            <a:ext cx="4800016" cy="3069200"/>
+            <a:off x="1778897" y="2151547"/>
+            <a:ext cx="6930993" cy="2836090"/>
           </a:xfrm>
           <a:prstGeom prst="rect">
             <a:avLst/>
@@ -9636,33 +9356,7 @@
                 <a:latin typeface="+mj-ea"/>
                 <a:ea typeface="+mj-ea"/>
               </a:rPr>
-              <a:t>・</a:t>
-            </a:r>
-            <a:r>
-              <a:rPr lang="en-US" altLang="ja-JP" sz="3200" dirty="0">
-                <a:solidFill>
-                  <a:schemeClr val="tx1">
-                    <a:lumMod val="85000"/>
-                    <a:lumOff val="15000"/>
-                  </a:schemeClr>
-                </a:solidFill>
-                <a:latin typeface="+mj-ea"/>
-                <a:ea typeface="+mj-ea"/>
-              </a:rPr>
-              <a:t>VR</a:t>
-            </a:r>
-            <a:r>
-              <a:rPr lang="ja-JP" altLang="en-US" sz="3200" dirty="0">
-                <a:solidFill>
-                  <a:schemeClr val="tx1">
-                    <a:lumMod val="85000"/>
-                    <a:lumOff val="15000"/>
-                  </a:schemeClr>
-                </a:solidFill>
-                <a:latin typeface="+mj-ea"/>
-                <a:ea typeface="+mj-ea"/>
-              </a:rPr>
-              <a:t>の操作を可能に</a:t>
+              <a:t>・物を掴んで離す基本的な動作</a:t>
             </a:r>
             <a:endParaRPr lang="en-US" altLang="ja-JP" sz="3200" dirty="0">
               <a:solidFill>
@@ -9693,64 +9387,7 @@
                 <a:latin typeface="+mj-ea"/>
                 <a:ea typeface="+mj-ea"/>
               </a:rPr>
-              <a:t>・積み木の仮作成</a:t>
-            </a:r>
-            <a:endParaRPr lang="en-US" altLang="ja-JP" sz="3200" dirty="0">
-              <a:solidFill>
-                <a:schemeClr val="tx1">
-                  <a:lumMod val="85000"/>
-                  <a:lumOff val="15000"/>
-                </a:schemeClr>
-              </a:solidFill>
-              <a:latin typeface="+mj-ea"/>
-              <a:ea typeface="+mj-ea"/>
-            </a:endParaRPr>
-          </a:p>
-          <a:p>
-            <a:pPr marL="0" indent="0">
-              <a:lnSpc>
-                <a:spcPct val="150000"/>
-              </a:lnSpc>
-              <a:buNone/>
-            </a:pPr>
-            <a:r>
-              <a:rPr lang="ja-JP" altLang="en-US" sz="3200" dirty="0">
-                <a:solidFill>
-                  <a:schemeClr val="tx1">
-                    <a:lumMod val="85000"/>
-                    <a:lumOff val="15000"/>
-                  </a:schemeClr>
-                </a:solidFill>
-                <a:latin typeface="+mj-ea"/>
-                <a:ea typeface="+mj-ea"/>
-              </a:rPr>
-              <a:t>・</a:t>
-            </a:r>
-            <a:r>
-              <a:rPr lang="en-US" altLang="ja-JP" sz="3200" dirty="0">
-                <a:solidFill>
-                  <a:schemeClr val="tx1">
-                    <a:lumMod val="85000"/>
-                    <a:lumOff val="15000"/>
-                  </a:schemeClr>
-                </a:solidFill>
-                <a:latin typeface="+mj-ea"/>
-                <a:ea typeface="+mj-ea"/>
-              </a:rPr>
-              <a:t>UI</a:t>
-            </a:r>
-            <a:r>
-              <a:rPr lang="ja-JP" altLang="en-US" sz="3200" dirty="0">
-                <a:solidFill>
-                  <a:schemeClr val="tx1">
-                    <a:lumMod val="85000"/>
-                    <a:lumOff val="15000"/>
-                  </a:schemeClr>
-                </a:solidFill>
-                <a:latin typeface="+mj-ea"/>
-                <a:ea typeface="+mj-ea"/>
-              </a:rPr>
-              <a:t>の作成中</a:t>
+              <a:t>・積み木の作成</a:t>
             </a:r>
             <a:endParaRPr lang="en-US" altLang="ja-JP" sz="3200" dirty="0">
               <a:solidFill>
@@ -10189,7 +9826,7 @@
                 <a:latin typeface="+mj-ea"/>
                 <a:ea typeface="+mj-ea"/>
               </a:rPr>
-              <a:t>の完成</a:t>
+              <a:t>の作成</a:t>
             </a:r>
             <a:endParaRPr lang="en-US" altLang="ja-JP" sz="3200" dirty="0">
               <a:solidFill>
@@ -10217,7 +9854,7 @@
                 <a:latin typeface="+mj-ea"/>
                 <a:ea typeface="+mj-ea"/>
               </a:rPr>
-              <a:t>・積み木の改良</a:t>
+              <a:t>・積み木の改良とゲームステージの作成</a:t>
             </a:r>
             <a:endParaRPr lang="en-US" altLang="ja-JP" sz="3200" dirty="0">
               <a:solidFill>
@@ -10245,7 +9882,7 @@
                 <a:latin typeface="+mj-ea"/>
                 <a:ea typeface="+mj-ea"/>
               </a:rPr>
-              <a:t>・</a:t>
+              <a:t>・物理演算の改良</a:t>
             </a:r>
             <a:endParaRPr lang="en-US" altLang="ja-JP" sz="3200" dirty="0">
               <a:solidFill>
@@ -10844,23 +10481,6 @@
 </file>
 
 <file path=customXml/item1.xml><?xml version="1.0" encoding="utf-8"?>
-<p:properties xmlns:p="http://schemas.microsoft.com/office/2006/metadata/properties" xmlns:xsi="http://www.w3.org/2001/XMLSchema-instance" xmlns:pc="http://schemas.microsoft.com/office/infopath/2007/PartnerControls">
-  <documentManagement>
-    <_activity xmlns="a46ab4ca-bc09-4ac5-a31b-eed8c5b60a07" xsi:nil="true"/>
-  </documentManagement>
-</p:properties>
-</file>
-
-<file path=customXml/item2.xml><?xml version="1.0" encoding="utf-8"?>
-<?mso-contentType ?>
-<FormTemplates xmlns="http://schemas.microsoft.com/sharepoint/v3/contenttype/forms">
-  <Display>DocumentLibraryForm</Display>
-  <Edit>DocumentLibraryForm</Edit>
-  <New>DocumentLibraryForm</New>
-</FormTemplates>
-</file>
-
-<file path=customXml/item3.xml><?xml version="1.0" encoding="utf-8"?>
 <ct:contentTypeSchema xmlns:ct="http://schemas.microsoft.com/office/2006/metadata/contentType" xmlns:ma="http://schemas.microsoft.com/office/2006/metadata/properties/metaAttributes" ct:_="" ma:_="" ma:contentTypeName="ドキュメント" ma:contentTypeID="0x0101002FFB6942F575FB409279DDFC9D64B7D6" ma:contentTypeVersion="18" ma:contentTypeDescription="新しいドキュメントを作成します。" ma:contentTypeScope="" ma:versionID="24f71904967c1a3fd62d68e1bb9cc405">
   <xsd:schema xmlns:xsd="http://www.w3.org/2001/XMLSchema" xmlns:xs="http://www.w3.org/2001/XMLSchema" xmlns:p="http://schemas.microsoft.com/office/2006/metadata/properties" xmlns:ns3="a46ab4ca-bc09-4ac5-a31b-eed8c5b60a07" xmlns:ns4="ec587fe9-fa5c-47d0-8660-4dac361e2af1" targetNamespace="http://schemas.microsoft.com/office/2006/metadata/properties" ma:root="true" ma:fieldsID="0f8f031ea856ce36bb2a3b33192d95db" ns3:_="" ns4:_="">
     <xsd:import namespace="a46ab4ca-bc09-4ac5-a31b-eed8c5b60a07"/>
@@ -11113,32 +10733,24 @@
 </ct:contentTypeSchema>
 </file>
 
-<file path=customXml/itemProps1.xml><?xml version="1.0" encoding="utf-8"?>
-<ds:datastoreItem xmlns:ds="http://schemas.openxmlformats.org/officeDocument/2006/customXml" ds:itemID="{6D46912A-3E29-4935-91A7-F35A1585157B}">
-  <ds:schemaRefs>
-    <ds:schemaRef ds:uri="http://purl.org/dc/terms/"/>
-    <ds:schemaRef ds:uri="http://schemas.microsoft.com/office/2006/documentManagement/types"/>
-    <ds:schemaRef ds:uri="http://purl.org/dc/dcmitype/"/>
-    <ds:schemaRef ds:uri="http://schemas.microsoft.com/office/infopath/2007/PartnerControls"/>
-    <ds:schemaRef ds:uri="http://purl.org/dc/elements/1.1/"/>
-    <ds:schemaRef ds:uri="http://schemas.microsoft.com/office/2006/metadata/properties"/>
-    <ds:schemaRef ds:uri="ec587fe9-fa5c-47d0-8660-4dac361e2af1"/>
-    <ds:schemaRef ds:uri="http://schemas.openxmlformats.org/package/2006/metadata/core-properties"/>
-    <ds:schemaRef ds:uri="a46ab4ca-bc09-4ac5-a31b-eed8c5b60a07"/>
-    <ds:schemaRef ds:uri="http://www.w3.org/XML/1998/namespace"/>
-  </ds:schemaRefs>
-</ds:datastoreItem>
+<file path=customXml/item2.xml><?xml version="1.0" encoding="utf-8"?>
+<?mso-contentType ?>
+<FormTemplates xmlns="http://schemas.microsoft.com/sharepoint/v3/contenttype/forms">
+  <Display>DocumentLibraryForm</Display>
+  <Edit>DocumentLibraryForm</Edit>
+  <New>DocumentLibraryForm</New>
+</FormTemplates>
 </file>
 
-<file path=customXml/itemProps2.xml><?xml version="1.0" encoding="utf-8"?>
-<ds:datastoreItem xmlns:ds="http://schemas.openxmlformats.org/officeDocument/2006/customXml" ds:itemID="{2E14384D-F933-4E9A-8BF2-A02C7A4F1D0B}">
-  <ds:schemaRefs>
-    <ds:schemaRef ds:uri="http://schemas.microsoft.com/sharepoint/v3/contenttype/forms"/>
-  </ds:schemaRefs>
-</ds:datastoreItem>
+<file path=customXml/item3.xml><?xml version="1.0" encoding="utf-8"?>
+<p:properties xmlns:p="http://schemas.microsoft.com/office/2006/metadata/properties" xmlns:xsi="http://www.w3.org/2001/XMLSchema-instance" xmlns:pc="http://schemas.microsoft.com/office/infopath/2007/PartnerControls">
+  <documentManagement>
+    <_activity xmlns="a46ab4ca-bc09-4ac5-a31b-eed8c5b60a07" xsi:nil="true"/>
+  </documentManagement>
+</p:properties>
 </file>
 
-<file path=customXml/itemProps3.xml><?xml version="1.0" encoding="utf-8"?>
+<file path=customXml/itemProps1.xml><?xml version="1.0" encoding="utf-8"?>
 <ds:datastoreItem xmlns:ds="http://schemas.openxmlformats.org/officeDocument/2006/customXml" ds:itemID="{6E383C42-F081-43C3-8531-C104895F8C1A}">
   <ds:schemaRefs>
     <ds:schemaRef ds:uri="http://schemas.microsoft.com/office/2006/metadata/contentType"/>
@@ -11157,6 +10769,31 @@
 </ds:datastoreItem>
 </file>
 
+<file path=customXml/itemProps2.xml><?xml version="1.0" encoding="utf-8"?>
+<ds:datastoreItem xmlns:ds="http://schemas.openxmlformats.org/officeDocument/2006/customXml" ds:itemID="{2E14384D-F933-4E9A-8BF2-A02C7A4F1D0B}">
+  <ds:schemaRefs>
+    <ds:schemaRef ds:uri="http://schemas.microsoft.com/sharepoint/v3/contenttype/forms"/>
+  </ds:schemaRefs>
+</ds:datastoreItem>
+</file>
+
+<file path=customXml/itemProps3.xml><?xml version="1.0" encoding="utf-8"?>
+<ds:datastoreItem xmlns:ds="http://schemas.openxmlformats.org/officeDocument/2006/customXml" ds:itemID="{6D46912A-3E29-4935-91A7-F35A1585157B}">
+  <ds:schemaRefs>
+    <ds:schemaRef ds:uri="http://purl.org/dc/terms/"/>
+    <ds:schemaRef ds:uri="http://schemas.microsoft.com/office/2006/documentManagement/types"/>
+    <ds:schemaRef ds:uri="http://purl.org/dc/dcmitype/"/>
+    <ds:schemaRef ds:uri="http://schemas.microsoft.com/office/infopath/2007/PartnerControls"/>
+    <ds:schemaRef ds:uri="http://purl.org/dc/elements/1.1/"/>
+    <ds:schemaRef ds:uri="http://schemas.microsoft.com/office/2006/metadata/properties"/>
+    <ds:schemaRef ds:uri="ec587fe9-fa5c-47d0-8660-4dac361e2af1"/>
+    <ds:schemaRef ds:uri="http://schemas.openxmlformats.org/package/2006/metadata/core-properties"/>
+    <ds:schemaRef ds:uri="a46ab4ca-bc09-4ac5-a31b-eed8c5b60a07"/>
+    <ds:schemaRef ds:uri="http://www.w3.org/XML/1998/namespace"/>
+  </ds:schemaRefs>
+</ds:datastoreItem>
+</file>
+
 <file path=docMetadata/LabelInfo.xml><?xml version="1.0" encoding="utf-8"?>
 <clbl:labelList xmlns:clbl="http://schemas.microsoft.com/office/2020/mipLabelMetadata">
   <clbl:label id="{72fe835d-5e95-4512-8ae0-a7b38af25fc8}" enabled="0" method="" siteId="{72fe835d-5e95-4512-8ae0-a7b38af25fc8}" removed="1"/>

--- a/01安井_02吉本_積み木タイムアタック.pptx
+++ b/01安井_02吉本_積み木タイムアタック.pptx
@@ -6869,7 +6869,7 @@
               <a:buChar char="•"/>
             </a:pPr>
             <a:r>
-              <a:rPr lang="ja-JP" altLang="en-US" sz="4400">
+              <a:rPr lang="ja-JP" altLang="en-US" sz="4400" dirty="0">
                 <a:solidFill>
                   <a:schemeClr val="accent6">
                     <a:lumMod val="50000"/>
@@ -6878,7 +6878,7 @@
               </a:rPr>
               <a:t>人間関係</a:t>
             </a:r>
-            <a:endParaRPr lang="en-US" altLang="ja-JP" sz="4400">
+            <a:endParaRPr lang="en-US" altLang="ja-JP" sz="4400" dirty="0">
               <a:solidFill>
                 <a:schemeClr val="accent6">
                   <a:lumMod val="50000"/>
@@ -6892,7 +6892,7 @@
               <a:buChar char="•"/>
             </a:pPr>
             <a:r>
-              <a:rPr lang="ja-JP" altLang="en-US" sz="4400">
+              <a:rPr lang="ja-JP" altLang="en-US" sz="4400" dirty="0">
                 <a:solidFill>
                   <a:schemeClr val="accent6">
                     <a:lumMod val="50000"/>
@@ -6901,7 +6901,7 @@
               </a:rPr>
               <a:t>仕事</a:t>
             </a:r>
-            <a:endParaRPr lang="en-US" altLang="ja-JP" sz="4400">
+            <a:endParaRPr lang="en-US" altLang="ja-JP" sz="4400" dirty="0">
               <a:solidFill>
                 <a:schemeClr val="accent6">
                   <a:lumMod val="50000"/>
@@ -6915,7 +6915,7 @@
               <a:buChar char="•"/>
             </a:pPr>
             <a:r>
-              <a:rPr lang="ja-JP" altLang="en-US" sz="4400">
+              <a:rPr lang="ja-JP" altLang="en-US" sz="4400" dirty="0">
                 <a:solidFill>
                   <a:schemeClr val="accent6">
                     <a:lumMod val="50000"/>
@@ -7670,8 +7670,8 @@
         </p:nvSpPr>
         <p:spPr>
           <a:xfrm>
-            <a:off x="1802116" y="2141689"/>
-            <a:ext cx="3600400" cy="1820961"/>
+            <a:off x="1432874" y="2141689"/>
+            <a:ext cx="5547673" cy="2204068"/>
           </a:xfrm>
         </p:spPr>
         <p:txBody>
@@ -7681,65 +7681,71 @@
           <a:lstStyle/>
           <a:p>
             <a:r>
-              <a:rPr lang="ja-JP" altLang="en-US" sz="2000" dirty="0">
+              <a:rPr lang="ja-JP" altLang="en-US" sz="2400" dirty="0">
                 <a:solidFill>
                   <a:schemeClr val="tx1">
                     <a:lumMod val="85000"/>
                     <a:lumOff val="15000"/>
                   </a:schemeClr>
                 </a:solidFill>
+                <a:latin typeface="+mn-ea"/>
               </a:rPr>
-              <a:t>空間認識の向上</a:t>
-            </a:r>
-            <a:endParaRPr lang="en-US" altLang="ja-JP" sz="2000" dirty="0">
+              <a:t>空間把握力や立体構造の理解</a:t>
+            </a:r>
+            <a:endParaRPr lang="en-US" altLang="ja-JP" sz="2400" dirty="0">
               <a:solidFill>
                 <a:schemeClr val="tx1">
                   <a:lumMod val="85000"/>
                   <a:lumOff val="15000"/>
                 </a:schemeClr>
               </a:solidFill>
+              <a:latin typeface="+mn-ea"/>
             </a:endParaRPr>
           </a:p>
           <a:p>
             <a:r>
-              <a:rPr lang="ja-JP" altLang="en-US" sz="2000" dirty="0">
+              <a:rPr lang="ja-JP" altLang="en-US" sz="2400" dirty="0">
                 <a:solidFill>
                   <a:schemeClr val="tx1">
                     <a:lumMod val="85000"/>
                     <a:lumOff val="15000"/>
                   </a:schemeClr>
                 </a:solidFill>
+                <a:latin typeface="+mn-ea"/>
               </a:rPr>
-              <a:t>問題解決能力の向上</a:t>
-            </a:r>
-            <a:endParaRPr lang="en-US" altLang="ja-JP" sz="2000" dirty="0">
+              <a:t>安定した積み方を考える中で創造性や論理的思考力</a:t>
+            </a:r>
+            <a:endParaRPr lang="en-US" altLang="ja-JP" sz="2400" dirty="0">
               <a:solidFill>
                 <a:schemeClr val="tx1">
                   <a:lumMod val="85000"/>
                   <a:lumOff val="15000"/>
                 </a:schemeClr>
               </a:solidFill>
+              <a:latin typeface="+mn-ea"/>
             </a:endParaRPr>
           </a:p>
           <a:p>
             <a:r>
-              <a:rPr lang="ja-JP" altLang="en-US" sz="2000" dirty="0">
+              <a:rPr lang="ja-JP" altLang="en-US" sz="2400" dirty="0">
                 <a:solidFill>
                   <a:schemeClr val="tx1">
                     <a:lumMod val="85000"/>
                     <a:lumOff val="15000"/>
                   </a:schemeClr>
                 </a:solidFill>
+                <a:latin typeface="+mn-ea"/>
               </a:rPr>
-              <a:t>想像力の向上</a:t>
-            </a:r>
-            <a:endParaRPr lang="en-US" altLang="ja-JP" sz="2000" dirty="0">
+              <a:t>時間制限による集中力・反射神経</a:t>
+            </a:r>
+            <a:endParaRPr lang="en-US" altLang="ja-JP" sz="2400" dirty="0">
               <a:solidFill>
                 <a:schemeClr val="tx1">
                   <a:lumMod val="85000"/>
                   <a:lumOff val="15000"/>
                 </a:schemeClr>
               </a:solidFill>
+              <a:latin typeface="+mn-ea"/>
             </a:endParaRPr>
           </a:p>
           <a:p>
@@ -7747,34 +7753,37 @@
               <a:buNone/>
             </a:pPr>
             <a:r>
-              <a:rPr lang="en-US" altLang="ja-JP" sz="2000" dirty="0">
+              <a:rPr lang="en-US" altLang="ja-JP" sz="2400" dirty="0">
                 <a:solidFill>
                   <a:schemeClr val="tx1">
                     <a:lumMod val="85000"/>
                     <a:lumOff val="15000"/>
                   </a:schemeClr>
                 </a:solidFill>
+                <a:latin typeface="+mn-ea"/>
               </a:rPr>
               <a:t>…</a:t>
             </a:r>
             <a:r>
-              <a:rPr lang="en-US" altLang="ja-JP" sz="2000" dirty="0" err="1">
+              <a:rPr lang="en-US" altLang="ja-JP" sz="2400" dirty="0" err="1">
                 <a:solidFill>
                   <a:schemeClr val="tx1">
                     <a:lumMod val="85000"/>
                     <a:lumOff val="15000"/>
                   </a:schemeClr>
                 </a:solidFill>
+                <a:latin typeface="+mn-ea"/>
               </a:rPr>
               <a:t>etc</a:t>
             </a:r>
-            <a:endParaRPr lang="en-US" altLang="ja-JP" sz="2000" dirty="0">
+            <a:endParaRPr lang="en-US" altLang="ja-JP" sz="2400" dirty="0">
               <a:solidFill>
                 <a:schemeClr val="tx1">
                   <a:lumMod val="85000"/>
                   <a:lumOff val="15000"/>
                 </a:schemeClr>
               </a:solidFill>
+              <a:latin typeface="+mn-ea"/>
             </a:endParaRPr>
           </a:p>
         </p:txBody>
@@ -7787,8 +7796,8 @@
         </p:nvSpPr>
         <p:spPr>
           <a:xfrm>
-            <a:off x="327324" y="4519397"/>
-            <a:ext cx="10150383" cy="1446550"/>
+            <a:off x="421592" y="4708629"/>
+            <a:ext cx="10692610" cy="1446550"/>
           </a:xfrm>
           <a:prstGeom prst="rect">
             <a:avLst/>
@@ -7808,7 +7817,7 @@
                   </a:schemeClr>
                 </a:solidFill>
               </a:rPr>
-              <a:t>目的　限られたスペースで積み木</a:t>
+              <a:t>目的　限られたスペースで仮想積み木</a:t>
             </a:r>
             <a:r>
               <a:rPr lang="ja-JP" altLang="en-US" sz="4400" b="1" dirty="0">
@@ -8163,22 +8172,24 @@
         <p:spPr>
           <a:xfrm>
             <a:off x="1440000" y="720000"/>
-            <a:ext cx="7993063" cy="923925"/>
+            <a:ext cx="10074841" cy="923925"/>
           </a:xfrm>
         </p:spPr>
         <p:txBody>
-          <a:bodyPr/>
+          <a:bodyPr>
+            <a:normAutofit/>
+          </a:bodyPr>
           <a:lstStyle/>
           <a:p>
             <a:r>
-              <a:rPr lang="ja-JP" altLang="en-US" sz="5400" b="1">
+              <a:rPr lang="ja-JP" altLang="en-US" sz="5400" b="1" dirty="0">
                 <a:solidFill>
                   <a:schemeClr val="accent6">
                     <a:lumMod val="50000"/>
                   </a:schemeClr>
                 </a:solidFill>
               </a:rPr>
-              <a:t>自然の楽しみ方（環境）</a:t>
+              <a:t>積み木ゲームの楽しみ方</a:t>
             </a:r>
           </a:p>
         </p:txBody>
@@ -8191,8 +8202,8 @@
         </p:nvSpPr>
         <p:spPr>
           <a:xfrm>
-            <a:off x="2021668" y="1653358"/>
-            <a:ext cx="2693366" cy="4555093"/>
+            <a:off x="1395167" y="2214253"/>
+            <a:ext cx="3638747" cy="3416320"/>
           </a:xfrm>
           <a:prstGeom prst="rect">
             <a:avLst/>
@@ -8200,7 +8211,7 @@
           <a:noFill/>
         </p:spPr>
         <p:txBody>
-          <a:bodyPr wrap="none" rtlCol="0">
+          <a:bodyPr wrap="square" rtlCol="0">
             <a:spAutoFit/>
           </a:bodyPr>
           <a:lstStyle/>
@@ -8210,14 +8221,14 @@
               <a:buChar char="u"/>
             </a:pPr>
             <a:r>
-              <a:rPr lang="ja-JP" altLang="en-US" sz="2800" dirty="0">
+              <a:rPr lang="ja-JP" altLang="en-US" sz="2400" dirty="0">
                 <a:solidFill>
                   <a:srgbClr val="002060"/>
                 </a:solidFill>
               </a:rPr>
-              <a:t>無人島を歩く</a:t>
-            </a:r>
-            <a:endParaRPr lang="en-US" altLang="ja-JP" sz="2800" dirty="0">
+              <a:t>つかんで倒れないように積み上げる</a:t>
+            </a:r>
+            <a:endParaRPr lang="en-US" altLang="ja-JP" sz="2400" dirty="0">
               <a:solidFill>
                 <a:srgbClr val="002060"/>
               </a:solidFill>
@@ -8236,18 +8247,18 @@
           </a:p>
           <a:p>
             <a:pPr marL="342900" indent="-342900">
-              <a:buFont typeface="Arial" panose="020B0604020202020204" pitchFamily="34" charset="0"/>
-              <a:buChar char="•"/>
+              <a:buFont typeface="Wingdings" panose="05000000000000000000" pitchFamily="2" charset="2"/>
+              <a:buChar char="u"/>
             </a:pPr>
             <a:r>
-              <a:rPr lang="ja-JP" altLang="en-US" sz="2200" dirty="0">
+              <a:rPr lang="ja-JP" altLang="en-US" sz="2400" dirty="0">
                 <a:solidFill>
                   <a:srgbClr val="002060"/>
                 </a:solidFill>
               </a:rPr>
-              <a:t>山</a:t>
-            </a:r>
-            <a:endParaRPr lang="en-US" altLang="ja-JP" sz="2200" dirty="0">
+              <a:t>時間制限内により多くより高く積み上げる</a:t>
+            </a:r>
+            <a:endParaRPr lang="en-US" altLang="ja-JP" sz="2400" dirty="0">
               <a:solidFill>
                 <a:srgbClr val="002060"/>
               </a:solidFill>
@@ -8255,8 +8266,8 @@
           </a:p>
           <a:p>
             <a:pPr marL="342900" indent="-342900">
-              <a:buFont typeface="Arial" panose="020B0604020202020204" pitchFamily="34" charset="0"/>
-              <a:buChar char="•"/>
+              <a:buFont typeface="Wingdings" panose="05000000000000000000" pitchFamily="2" charset="2"/>
+              <a:buChar char="u"/>
             </a:pPr>
             <a:endParaRPr lang="en-US" altLang="ja-JP" sz="2400" dirty="0">
               <a:solidFill>
@@ -8266,8 +8277,8 @@
           </a:p>
           <a:p>
             <a:pPr marL="342900" indent="-342900">
-              <a:buFont typeface="Arial" panose="020B0604020202020204" pitchFamily="34" charset="0"/>
-              <a:buChar char="•"/>
+              <a:buFont typeface="Wingdings" panose="05000000000000000000" pitchFamily="2" charset="2"/>
+              <a:buChar char="u"/>
             </a:pPr>
             <a:r>
               <a:rPr lang="ja-JP" altLang="en-US" sz="2400" dirty="0">
@@ -8275,7 +8286,7 @@
                   <a:srgbClr val="002060"/>
                 </a:solidFill>
               </a:rPr>
-              <a:t>林</a:t>
+              <a:t>倒れないように</a:t>
             </a:r>
             <a:endParaRPr lang="en-US" altLang="ja-JP" sz="2400" dirty="0">
               <a:solidFill>
@@ -8285,8 +8296,8 @@
           </a:p>
           <a:p>
             <a:pPr marL="342900" indent="-342900">
-              <a:buFont typeface="Arial" panose="020B0604020202020204" pitchFamily="34" charset="0"/>
-              <a:buChar char="•"/>
+              <a:buFont typeface="Wingdings" panose="05000000000000000000" pitchFamily="2" charset="2"/>
+              <a:buChar char="u"/>
             </a:pPr>
             <a:endParaRPr lang="en-US" altLang="ja-JP" sz="2400" dirty="0">
               <a:solidFill>
@@ -8296,27 +8307,8 @@
           </a:p>
           <a:p>
             <a:pPr marL="342900" indent="-342900">
-              <a:buFont typeface="Arial" panose="020B0604020202020204" pitchFamily="34" charset="0"/>
-              <a:buChar char="•"/>
-            </a:pPr>
-            <a:r>
-              <a:rPr lang="ja-JP" altLang="en-US" sz="2400" dirty="0">
-                <a:solidFill>
-                  <a:srgbClr val="002060"/>
-                </a:solidFill>
-              </a:rPr>
-              <a:t>湖</a:t>
-            </a:r>
-            <a:endParaRPr lang="en-US" altLang="ja-JP" sz="2400" dirty="0">
-              <a:solidFill>
-                <a:srgbClr val="002060"/>
-              </a:solidFill>
-            </a:endParaRPr>
-          </a:p>
-          <a:p>
-            <a:pPr marL="342900" indent="-342900">
-              <a:buFont typeface="Arial" panose="020B0604020202020204" pitchFamily="34" charset="0"/>
-              <a:buChar char="•"/>
+              <a:buFont typeface="Wingdings" panose="05000000000000000000" pitchFamily="2" charset="2"/>
+              <a:buChar char="u"/>
             </a:pPr>
             <a:endParaRPr lang="en-US" altLang="ja-JP" sz="2400" dirty="0">
               <a:solidFill>
@@ -8324,84 +8316,29 @@
               </a:solidFill>
             </a:endParaRPr>
           </a:p>
-          <a:p>
-            <a:pPr marL="342900" indent="-342900">
-              <a:buFont typeface="Arial" panose="020B0604020202020204" pitchFamily="34" charset="0"/>
-              <a:buChar char="•"/>
-            </a:pPr>
-            <a:r>
-              <a:rPr lang="ja-JP" altLang="en-US" sz="2400" dirty="0">
-                <a:solidFill>
-                  <a:srgbClr val="002060"/>
-                </a:solidFill>
-              </a:rPr>
-              <a:t>滝</a:t>
-            </a:r>
-            <a:endParaRPr lang="en-US" altLang="ja-JP" sz="2400" dirty="0">
-              <a:solidFill>
-                <a:srgbClr val="002060"/>
-              </a:solidFill>
-            </a:endParaRPr>
-          </a:p>
-          <a:p>
-            <a:pPr marL="342900" indent="-342900">
-              <a:buFont typeface="Arial" panose="020B0604020202020204" pitchFamily="34" charset="0"/>
-              <a:buChar char="•"/>
-            </a:pPr>
-            <a:endParaRPr lang="en-US" altLang="ja-JP" sz="2400" dirty="0">
-              <a:solidFill>
-                <a:srgbClr val="002060"/>
-              </a:solidFill>
-            </a:endParaRPr>
-          </a:p>
-          <a:p>
-            <a:pPr marL="342900" indent="-342900">
-              <a:buFont typeface="Arial" panose="020B0604020202020204" pitchFamily="34" charset="0"/>
-              <a:buChar char="•"/>
-            </a:pPr>
-            <a:r>
-              <a:rPr lang="ja-JP" altLang="en-US" sz="2400" dirty="0">
-                <a:solidFill>
-                  <a:srgbClr val="002060"/>
-                </a:solidFill>
-              </a:rPr>
-              <a:t>砂浜</a:t>
-            </a:r>
-            <a:endParaRPr lang="en-US" altLang="ja-JP" sz="2400" dirty="0">
-              <a:solidFill>
-                <a:srgbClr val="002060"/>
-              </a:solidFill>
-            </a:endParaRPr>
-          </a:p>
-          <a:p>
-            <a:endParaRPr lang="ja-JP" altLang="en-US" sz="2400" dirty="0">
-              <a:solidFill>
-                <a:srgbClr val="002060"/>
-              </a:solidFill>
-            </a:endParaRPr>
-          </a:p>
         </p:txBody>
       </p:sp>
       <p:pic>
         <p:nvPicPr>
-          <p:cNvPr id="7" name="図 6"/>
+          <p:cNvPr id="13" name="図 12">
+            <a:extLst>
+              <a:ext uri="{FF2B5EF4-FFF2-40B4-BE49-F238E27FC236}">
+                <a16:creationId xmlns:a16="http://schemas.microsoft.com/office/drawing/2014/main" id="{01A99542-B0FB-41DD-8A89-25B95C240703}"/>
+              </a:ext>
+            </a:extLst>
+          </p:cNvPr>
           <p:cNvPicPr>
             <a:picLocks noChangeAspect="1"/>
           </p:cNvPicPr>
           <p:nvPr/>
         </p:nvPicPr>
         <p:blipFill>
-          <a:blip r:embed="rId2">
-            <a:clrChange>
-              <a:clrFrom>
-                <a:srgbClr val="FFFFFF"/>
-              </a:clrFrom>
-              <a:clrTo>
-                <a:srgbClr val="FFFFFF">
-                  <a:alpha val="0"/>
-                </a:srgbClr>
-              </a:clrTo>
-            </a:clrChange>
+          <a:blip r:embed="rId2" cstate="print">
+            <a:extLst>
+              <a:ext uri="{28A0092B-C50C-407E-A947-70E740481C1C}">
+                <a14:useLocalDpi xmlns:a14="http://schemas.microsoft.com/office/drawing/2010/main" val="0"/>
+              </a:ext>
+            </a:extLst>
           </a:blip>
           <a:stretch>
             <a:fillRect/>
@@ -8409,8 +8346,8 @@
         </p:blipFill>
         <p:spPr>
           <a:xfrm>
-            <a:off x="5231904" y="1594939"/>
-            <a:ext cx="5934075" cy="5086350"/>
+            <a:off x="5033914" y="2284508"/>
+            <a:ext cx="6432400" cy="3310300"/>
           </a:xfrm>
           <a:prstGeom prst="rect">
             <a:avLst/>
@@ -8468,14 +8405,14 @@
           <a:lstStyle/>
           <a:p>
             <a:r>
-              <a:rPr lang="ja-JP" altLang="en-US" sz="5400" b="1">
+              <a:rPr lang="ja-JP" altLang="en-US" sz="5400" b="1" dirty="0">
                 <a:solidFill>
                   <a:schemeClr val="accent6">
                     <a:lumMod val="50000"/>
                   </a:schemeClr>
                 </a:solidFill>
               </a:rPr>
-              <a:t>自然の楽しみ方（撮影）</a:t>
+              <a:t>積み木ゲームの楽しみ方</a:t>
             </a:r>
           </a:p>
         </p:txBody>
@@ -8492,8 +8429,8 @@
         </p:nvSpPr>
         <p:spPr>
           <a:xfrm>
-            <a:off x="1696968" y="1777341"/>
-            <a:ext cx="5308283" cy="3662611"/>
+            <a:off x="1352746" y="1777341"/>
+            <a:ext cx="5652505" cy="3662611"/>
           </a:xfrm>
         </p:spPr>
         <p:txBody>
@@ -8503,7 +8440,7 @@
           <a:lstStyle/>
           <a:p>
             <a:r>
-              <a:rPr lang="ja-JP" altLang="en-US" sz="2200">
+              <a:rPr lang="ja-JP" altLang="en-US" sz="2200" dirty="0">
                 <a:solidFill>
                   <a:schemeClr val="tx1">
                     <a:lumMod val="85000"/>
@@ -8511,9 +8448,9 @@
                   </a:schemeClr>
                 </a:solidFill>
               </a:rPr>
-              <a:t>ボタン１０を押すことで写真が撮れる</a:t>
-            </a:r>
-            <a:endParaRPr lang="en-US" altLang="ja-JP" sz="2200">
+              <a:t>メニュー画面でゲームモードの設定</a:t>
+            </a:r>
+            <a:endParaRPr lang="en-US" altLang="ja-JP" sz="2200" dirty="0">
               <a:solidFill>
                 <a:schemeClr val="tx1">
                   <a:lumMod val="85000"/>
@@ -8523,7 +8460,43 @@
             </a:endParaRPr>
           </a:p>
           <a:p>
-            <a:endParaRPr lang="en-US" altLang="ja-JP" sz="2200">
+            <a:pPr marL="0" indent="0">
+              <a:buNone/>
+            </a:pPr>
+            <a:r>
+              <a:rPr lang="ja-JP" altLang="en-US" sz="2200" dirty="0">
+                <a:solidFill>
+                  <a:schemeClr val="tx1">
+                    <a:lumMod val="85000"/>
+                    <a:lumOff val="15000"/>
+                  </a:schemeClr>
+                </a:solidFill>
+              </a:rPr>
+              <a:t>　　協力モードや対戦モード、フリーモー</a:t>
+            </a:r>
+            <a:r>
+              <a:rPr lang="en-US" altLang="ja-JP" sz="2200" dirty="0">
+                <a:solidFill>
+                  <a:schemeClr val="tx1">
+                    <a:lumMod val="85000"/>
+                    <a:lumOff val="15000"/>
+                  </a:schemeClr>
+                </a:solidFill>
+              </a:rPr>
+              <a:t>	</a:t>
+            </a:r>
+            <a:r>
+              <a:rPr lang="ja-JP" altLang="en-US" sz="2200" dirty="0">
+                <a:solidFill>
+                  <a:schemeClr val="tx1">
+                    <a:lumMod val="85000"/>
+                    <a:lumOff val="15000"/>
+                  </a:schemeClr>
+                </a:solidFill>
+              </a:rPr>
+              <a:t>ドなど</a:t>
+            </a:r>
+            <a:endParaRPr lang="en-US" altLang="ja-JP" sz="2200" dirty="0">
               <a:solidFill>
                 <a:schemeClr val="tx1">
                   <a:lumMod val="85000"/>
@@ -8533,18 +8506,7 @@
             </a:endParaRPr>
           </a:p>
           <a:p>
-            <a:r>
-              <a:rPr lang="ja-JP" altLang="en-US" sz="2200">
-                <a:solidFill>
-                  <a:schemeClr val="tx1">
-                    <a:lumMod val="85000"/>
-                    <a:lumOff val="15000"/>
-                  </a:schemeClr>
-                </a:solidFill>
-              </a:rPr>
-              <a:t>ボタン２でメニューを開く</a:t>
-            </a:r>
-            <a:endParaRPr lang="en-US" altLang="ja-JP" sz="2200">
+            <a:endParaRPr lang="en-US" altLang="ja-JP" sz="2200" dirty="0">
               <a:solidFill>
                 <a:schemeClr val="tx1">
                   <a:lumMod val="85000"/>
@@ -8554,7 +8516,18 @@
             </a:endParaRPr>
           </a:p>
           <a:p>
-            <a:endParaRPr lang="en-US" altLang="ja-JP" sz="2200">
+            <a:r>
+              <a:rPr lang="ja-JP" altLang="en-US" sz="2200" dirty="0">
+                <a:solidFill>
+                  <a:schemeClr val="tx1">
+                    <a:lumMod val="85000"/>
+                    <a:lumOff val="15000"/>
+                  </a:schemeClr>
+                </a:solidFill>
+              </a:rPr>
+              <a:t>スタートボタンを押してカウントダウンタイマーの開始</a:t>
+            </a:r>
+            <a:endParaRPr lang="en-US" altLang="ja-JP" sz="2200" dirty="0">
               <a:solidFill>
                 <a:schemeClr val="tx1">
                   <a:lumMod val="85000"/>
@@ -8564,18 +8537,7 @@
             </a:endParaRPr>
           </a:p>
           <a:p>
-            <a:r>
-              <a:rPr lang="ja-JP" altLang="en-US" sz="2200">
-                <a:solidFill>
-                  <a:schemeClr val="tx1">
-                    <a:lumMod val="85000"/>
-                    <a:lumOff val="15000"/>
-                  </a:schemeClr>
-                </a:solidFill>
-              </a:rPr>
-              <a:t>十字キーでモード選択</a:t>
-            </a:r>
-            <a:endParaRPr lang="en-US" altLang="ja-JP" sz="2200">
+            <a:endParaRPr lang="en-US" altLang="ja-JP" sz="2200" dirty="0">
               <a:solidFill>
                 <a:schemeClr val="tx1">
                   <a:lumMod val="85000"/>
@@ -8585,10 +8547,18 @@
             </a:endParaRPr>
           </a:p>
           <a:p>
-            <a:pPr marL="0" indent="0">
-              <a:buNone/>
-            </a:pPr>
-            <a:endParaRPr lang="en-US" altLang="ja-JP" sz="2200">
+            <a:r>
+              <a:rPr lang="ja-JP" altLang="en-US" sz="2200" dirty="0">
+                <a:solidFill>
+                  <a:schemeClr val="tx1">
+                    <a:lumMod val="85000"/>
+                    <a:lumOff val="15000"/>
+                  </a:schemeClr>
+                </a:solidFill>
+              </a:rPr>
+              <a:t>限られたエリアの中でより高くより多くの積み木を載せる</a:t>
+            </a:r>
+            <a:endParaRPr lang="en-US" altLang="ja-JP" sz="2200" dirty="0">
               <a:solidFill>
                 <a:schemeClr val="tx1">
                   <a:lumMod val="85000"/>
@@ -8598,18 +8568,7 @@
             </a:endParaRPr>
           </a:p>
           <a:p>
-            <a:r>
-              <a:rPr lang="ja-JP" altLang="en-US" sz="2200">
-                <a:solidFill>
-                  <a:schemeClr val="tx1">
-                    <a:lumMod val="85000"/>
-                    <a:lumOff val="15000"/>
-                  </a:schemeClr>
-                </a:solidFill>
-              </a:rPr>
-              <a:t>ピクチャーモードでは撮影した写真が見れる</a:t>
-            </a:r>
-            <a:endParaRPr lang="en-US" altLang="ja-JP" sz="2200">
+            <a:endParaRPr lang="en-US" altLang="ja-JP" sz="2200" dirty="0">
               <a:solidFill>
                 <a:schemeClr val="tx1">
                   <a:lumMod val="85000"/>
@@ -8618,38 +8577,51 @@
               </a:solidFill>
             </a:endParaRPr>
           </a:p>
-        </p:txBody>
-      </p:sp>
-      <p:pic>
-        <p:nvPicPr>
-          <p:cNvPr id="4" name="図 3">
-            <a:extLst>
-              <a:ext uri="{FF2B5EF4-FFF2-40B4-BE49-F238E27FC236}">
-                <a16:creationId xmlns:a16="http://schemas.microsoft.com/office/drawing/2014/main" id="{C0C2B3FF-0626-417E-9CF8-743B401162CC}"/>
-              </a:ext>
-            </a:extLst>
-          </p:cNvPr>
-          <p:cNvPicPr>
-            <a:picLocks noChangeAspect="1"/>
-          </p:cNvPicPr>
-          <p:nvPr/>
-        </p:nvPicPr>
-        <p:blipFill>
-          <a:blip r:embed="rId2"/>
-          <a:stretch>
-            <a:fillRect/>
-          </a:stretch>
-        </p:blipFill>
-        <p:spPr>
-          <a:xfrm>
-            <a:off x="7136055" y="1658499"/>
-            <a:ext cx="3437651" cy="2220722"/>
-          </a:xfrm>
-          <a:prstGeom prst="rect">
-            <a:avLst/>
-          </a:prstGeom>
-        </p:spPr>
-      </p:pic>
+          <a:p>
+            <a:endParaRPr lang="en-US" altLang="ja-JP" sz="2200" dirty="0">
+              <a:solidFill>
+                <a:schemeClr val="tx1">
+                  <a:lumMod val="85000"/>
+                  <a:lumOff val="15000"/>
+                </a:schemeClr>
+              </a:solidFill>
+            </a:endParaRPr>
+          </a:p>
+          <a:p>
+            <a:pPr marL="0" indent="0">
+              <a:buNone/>
+            </a:pPr>
+            <a:endParaRPr lang="en-US" altLang="ja-JP" sz="2200" dirty="0">
+              <a:solidFill>
+                <a:schemeClr val="tx1">
+                  <a:lumMod val="85000"/>
+                  <a:lumOff val="15000"/>
+                </a:schemeClr>
+              </a:solidFill>
+            </a:endParaRPr>
+          </a:p>
+          <a:p>
+            <a:endParaRPr lang="en-US" altLang="ja-JP" sz="2200" dirty="0">
+              <a:solidFill>
+                <a:schemeClr val="tx1">
+                  <a:lumMod val="85000"/>
+                  <a:lumOff val="15000"/>
+                </a:schemeClr>
+              </a:solidFill>
+            </a:endParaRPr>
+          </a:p>
+          <a:p>
+            <a:endParaRPr lang="en-US" altLang="ja-JP" sz="2200" dirty="0">
+              <a:solidFill>
+                <a:schemeClr val="tx1">
+                  <a:lumMod val="85000"/>
+                  <a:lumOff val="15000"/>
+                </a:schemeClr>
+              </a:solidFill>
+            </a:endParaRPr>
+          </a:p>
+        </p:txBody>
+      </p:sp>
       <p:sp>
         <p:nvSpPr>
           <p:cNvPr id="7" name="円/楕円 6"/>
@@ -8658,7 +8630,7 @@
         </p:nvSpPr>
         <p:spPr>
           <a:xfrm>
-            <a:off x="7404567" y="4546657"/>
+            <a:off x="7407699" y="1777341"/>
             <a:ext cx="2849208" cy="824684"/>
           </a:xfrm>
           <a:prstGeom prst="ellipse">
@@ -8694,7 +8666,7 @@
           <a:p>
             <a:pPr algn="ctr"/>
             <a:r>
-              <a:rPr lang="ja-JP" altLang="en-US" sz="2400">
+              <a:rPr lang="ja-JP" altLang="en-US" sz="2400" dirty="0">
                 <a:solidFill>
                   <a:schemeClr val="accent6">
                     <a:lumMod val="50000"/>
@@ -8714,7 +8686,7 @@
         </p:nvSpPr>
         <p:spPr>
           <a:xfrm>
-            <a:off x="6960096" y="5944008"/>
+            <a:off x="7044938" y="3395062"/>
             <a:ext cx="3744415" cy="797360"/>
           </a:xfrm>
           <a:prstGeom prst="ellipse">
@@ -8753,14 +8725,14 @@
           <a:p>
             <a:pPr algn="ctr"/>
             <a:r>
-              <a:rPr lang="ja-JP" altLang="en-US" sz="2400">
+              <a:rPr lang="ja-JP" altLang="en-US" sz="2400" dirty="0">
                 <a:solidFill>
                   <a:schemeClr val="accent6">
                     <a:lumMod val="50000"/>
                   </a:schemeClr>
                 </a:solidFill>
               </a:rPr>
-              <a:t>ピクチャーモード</a:t>
+              <a:t>ゲームスタート</a:t>
             </a:r>
           </a:p>
         </p:txBody>
@@ -8773,7 +8745,7 @@
         </p:nvSpPr>
         <p:spPr>
           <a:xfrm>
-            <a:off x="8612565" y="3960911"/>
+            <a:off x="8612565" y="2770621"/>
             <a:ext cx="484632" cy="504056"/>
           </a:xfrm>
           <a:prstGeom prst="downArrow">
@@ -8821,7 +8793,7 @@
         </p:nvSpPr>
         <p:spPr>
           <a:xfrm>
-            <a:off x="8612565" y="5439952"/>
+            <a:off x="8612565" y="4312807"/>
             <a:ext cx="484632" cy="504056"/>
           </a:xfrm>
           <a:prstGeom prst="downArrow">
@@ -8925,6 +8897,68 @@
           </a:p>
         </p:txBody>
       </p:sp>
+      <p:sp>
+        <p:nvSpPr>
+          <p:cNvPr id="13" name="円/楕円 6">
+            <a:extLst>
+              <a:ext uri="{FF2B5EF4-FFF2-40B4-BE49-F238E27FC236}">
+                <a16:creationId xmlns:a16="http://schemas.microsoft.com/office/drawing/2014/main" id="{7DF5B4BF-D667-4D5C-B9AA-3EB1A3A11199}"/>
+              </a:ext>
+            </a:extLst>
+          </p:cNvPr>
+          <p:cNvSpPr/>
+          <p:nvPr/>
+        </p:nvSpPr>
+        <p:spPr>
+          <a:xfrm>
+            <a:off x="7492541" y="4992294"/>
+            <a:ext cx="2849208" cy="824684"/>
+          </a:xfrm>
+          <a:prstGeom prst="ellipse">
+            <a:avLst/>
+          </a:prstGeom>
+          <a:ln>
+            <a:solidFill>
+              <a:schemeClr val="tx2">
+                <a:lumMod val="50000"/>
+              </a:schemeClr>
+            </a:solidFill>
+          </a:ln>
+        </p:spPr>
+        <p:style>
+          <a:lnRef idx="2">
+            <a:schemeClr val="accent1">
+              <a:shade val="50000"/>
+            </a:schemeClr>
+          </a:lnRef>
+          <a:fillRef idx="1">
+            <a:schemeClr val="accent1"/>
+          </a:fillRef>
+          <a:effectRef idx="0">
+            <a:schemeClr val="accent1"/>
+          </a:effectRef>
+          <a:fontRef idx="minor">
+            <a:schemeClr val="lt1"/>
+          </a:fontRef>
+        </p:style>
+        <p:txBody>
+          <a:bodyPr rtlCol="0" anchor="ctr"/>
+          <a:lstStyle/>
+          <a:p>
+            <a:pPr algn="ctr"/>
+            <a:r>
+              <a:rPr lang="ja-JP" altLang="en-US" sz="2400" dirty="0">
+                <a:solidFill>
+                  <a:schemeClr val="accent6">
+                    <a:lumMod val="50000"/>
+                  </a:schemeClr>
+                </a:solidFill>
+              </a:rPr>
+              <a:t>積み木で遊ぶ</a:t>
+            </a:r>
+          </a:p>
+        </p:txBody>
+      </p:sp>
     </p:spTree>
     <p:extLst>
       <p:ext uri="{BB962C8B-B14F-4D97-AF65-F5344CB8AC3E}">
@@ -9387,7 +9421,7 @@
                 <a:latin typeface="+mj-ea"/>
                 <a:ea typeface="+mj-ea"/>
               </a:rPr>
-              <a:t>・積み木の作成</a:t>
+              <a:t>・仮想積み木ブロックのモデル作成</a:t>
             </a:r>
             <a:endParaRPr lang="en-US" altLang="ja-JP" sz="3200" dirty="0">
               <a:solidFill>
@@ -9577,8 +9611,8 @@
         </p:nvSpPr>
         <p:spPr>
           <a:xfrm>
-            <a:off x="1710081" y="2420888"/>
-            <a:ext cx="6322730" cy="2584767"/>
+            <a:off x="1001654" y="2090950"/>
+            <a:ext cx="8147060" cy="2584767"/>
           </a:xfrm>
           <a:prstGeom prst="rect">
             <a:avLst/>
@@ -9826,7 +9860,7 @@
                 <a:latin typeface="+mj-ea"/>
                 <a:ea typeface="+mj-ea"/>
               </a:rPr>
-              <a:t>の作成</a:t>
+              <a:t>設計・実装</a:t>
             </a:r>
             <a:endParaRPr lang="en-US" altLang="ja-JP" sz="3200" dirty="0">
               <a:solidFill>
@@ -9882,7 +9916,33 @@
                 <a:latin typeface="+mj-ea"/>
                 <a:ea typeface="+mj-ea"/>
               </a:rPr>
-              <a:t>・物理演算の改良</a:t>
+              <a:t>・機能統合テスト</a:t>
+            </a:r>
+            <a:r>
+              <a:rPr lang="en-US" altLang="ja-JP" sz="3200" dirty="0">
+                <a:solidFill>
+                  <a:schemeClr val="tx1">
+                    <a:lumMod val="85000"/>
+                    <a:lumOff val="15000"/>
+                  </a:schemeClr>
+                </a:solidFill>
+                <a:latin typeface="+mj-ea"/>
+                <a:ea typeface="+mj-ea"/>
+              </a:rPr>
+              <a:t>/</a:t>
+            </a:r>
+            <a:r>
+              <a:rPr lang="ja-JP" altLang="en-US" sz="3200" dirty="0">
+                <a:solidFill>
+                  <a:schemeClr val="tx1">
+                    <a:lumMod val="85000"/>
+                    <a:lumOff val="15000"/>
+                  </a:schemeClr>
+                </a:solidFill>
+                <a:latin typeface="+mj-ea"/>
+                <a:ea typeface="+mj-ea"/>
+              </a:rPr>
+              <a:t>ゲームバランス調整</a:t>
             </a:r>
             <a:endParaRPr lang="en-US" altLang="ja-JP" sz="3200" dirty="0">
               <a:solidFill>
@@ -9896,6 +9956,34 @@
             </a:endParaRPr>
           </a:p>
           <a:p>
+            <a:pPr marL="0" indent="0">
+              <a:buNone/>
+            </a:pPr>
+            <a:r>
+              <a:rPr lang="ja-JP" altLang="en-US" sz="3200" dirty="0">
+                <a:solidFill>
+                  <a:schemeClr val="tx1">
+                    <a:lumMod val="85000"/>
+                    <a:lumOff val="15000"/>
+                  </a:schemeClr>
+                </a:solidFill>
+                <a:latin typeface="+mj-ea"/>
+                <a:ea typeface="+mj-ea"/>
+              </a:rPr>
+              <a:t>・物理演算の改良</a:t>
+            </a:r>
+            <a:endParaRPr lang="en-US" altLang="ja-JP" sz="3200" dirty="0">
+              <a:solidFill>
+                <a:schemeClr val="tx1">
+                  <a:lumMod val="85000"/>
+                  <a:lumOff val="15000"/>
+                </a:schemeClr>
+              </a:solidFill>
+              <a:latin typeface="+mj-ea"/>
+              <a:ea typeface="+mj-ea"/>
+            </a:endParaRPr>
+          </a:p>
+          <a:p>
             <a:endParaRPr lang="en-US" altLang="ja-JP" sz="2200" dirty="0">
               <a:solidFill>
                 <a:schemeClr val="tx1">
@@ -9909,42 +9997,73 @@
           </a:p>
         </p:txBody>
       </p:sp>
-      <p:sp>
-        <p:nvSpPr>
-          <p:cNvPr id="11" name="正方形/長方形 10"/>
-          <p:cNvSpPr/>
+      <p:pic>
+        <p:nvPicPr>
+          <p:cNvPr id="4" name="図 3">
+            <a:extLst>
+              <a:ext uri="{FF2B5EF4-FFF2-40B4-BE49-F238E27FC236}">
+                <a16:creationId xmlns:a16="http://schemas.microsoft.com/office/drawing/2014/main" id="{32F84155-FEB4-4873-BDB2-4F48BDDA092E}"/>
+              </a:ext>
+            </a:extLst>
+          </p:cNvPr>
+          <p:cNvPicPr>
+            <a:picLocks noChangeAspect="1"/>
+          </p:cNvPicPr>
           <p:nvPr/>
-        </p:nvSpPr>
+        </p:nvPicPr>
+        <p:blipFill>
+          <a:blip r:embed="rId2" cstate="print">
+            <a:extLst>
+              <a:ext uri="{28A0092B-C50C-407E-A947-70E740481C1C}">
+                <a14:useLocalDpi xmlns:a14="http://schemas.microsoft.com/office/drawing/2010/main" val="0"/>
+              </a:ext>
+            </a:extLst>
+          </a:blip>
+          <a:stretch>
+            <a:fillRect/>
+          </a:stretch>
+        </p:blipFill>
         <p:spPr>
           <a:xfrm>
-            <a:off x="1440000" y="360000"/>
-            <a:ext cx="6862892" cy="461665"/>
+            <a:off x="4584032" y="4085100"/>
+            <a:ext cx="5183734" cy="2584766"/>
           </a:xfrm>
           <a:prstGeom prst="rect">
             <a:avLst/>
           </a:prstGeom>
-          <a:solidFill>
-            <a:schemeClr val="bg1"/>
-          </a:solidFill>
-          <a:ln w="12700">
-            <a:solidFill>
-              <a:srgbClr val="0000FF"/>
-            </a:solidFill>
-          </a:ln>
         </p:spPr>
-        <p:txBody>
-          <a:bodyPr wrap="square">
+      </p:pic>
+      <p:sp>
+        <p:nvSpPr>
+          <p:cNvPr id="8" name="テキスト ボックス 7">
+            <a:extLst>
+              <a:ext uri="{FF2B5EF4-FFF2-40B4-BE49-F238E27FC236}">
+                <a16:creationId xmlns:a16="http://schemas.microsoft.com/office/drawing/2014/main" id="{038D0181-DDAC-44E6-83E3-DA6317EAABBB}"/>
+              </a:ext>
+            </a:extLst>
+          </p:cNvPr>
+          <p:cNvSpPr txBox="1"/>
+          <p:nvPr/>
+        </p:nvSpPr>
+        <p:spPr>
+          <a:xfrm>
+            <a:off x="2108508" y="5707299"/>
+            <a:ext cx="2807570" cy="400110"/>
+          </a:xfrm>
+          <a:prstGeom prst="rect">
+            <a:avLst/>
+          </a:prstGeom>
+          <a:noFill/>
+        </p:spPr>
+        <p:txBody>
+          <a:bodyPr wrap="square" rtlCol="0">
             <a:spAutoFit/>
           </a:bodyPr>
           <a:lstStyle/>
           <a:p>
             <a:r>
-              <a:rPr lang="ja-JP" altLang="en-US" sz="2400" dirty="0">
-                <a:solidFill>
-                  <a:srgbClr val="0000FF"/>
-                </a:solidFill>
-              </a:rPr>
-              <a:t>今後の課題：作成できたいない点の説明と課題</a:t>
+              <a:rPr kumimoji="1" lang="ja-JP" altLang="en-US" sz="2000" dirty="0"/>
+              <a:t>円柱が逆さに立つ→</a:t>
             </a:r>
           </a:p>
         </p:txBody>
@@ -10481,6 +10600,15 @@
 </file>
 
 <file path=customXml/item1.xml><?xml version="1.0" encoding="utf-8"?>
+<?mso-contentType ?>
+<FormTemplates xmlns="http://schemas.microsoft.com/sharepoint/v3/contenttype/forms">
+  <Display>DocumentLibraryForm</Display>
+  <Edit>DocumentLibraryForm</Edit>
+  <New>DocumentLibraryForm</New>
+</FormTemplates>
+</file>
+
+<file path=customXml/item2.xml><?xml version="1.0" encoding="utf-8"?>
 <ct:contentTypeSchema xmlns:ct="http://schemas.microsoft.com/office/2006/metadata/contentType" xmlns:ma="http://schemas.microsoft.com/office/2006/metadata/properties/metaAttributes" ct:_="" ma:_="" ma:contentTypeName="ドキュメント" ma:contentTypeID="0x0101002FFB6942F575FB409279DDFC9D64B7D6" ma:contentTypeVersion="18" ma:contentTypeDescription="新しいドキュメントを作成します。" ma:contentTypeScope="" ma:versionID="24f71904967c1a3fd62d68e1bb9cc405">
   <xsd:schema xmlns:xsd="http://www.w3.org/2001/XMLSchema" xmlns:xs="http://www.w3.org/2001/XMLSchema" xmlns:p="http://schemas.microsoft.com/office/2006/metadata/properties" xmlns:ns3="a46ab4ca-bc09-4ac5-a31b-eed8c5b60a07" xmlns:ns4="ec587fe9-fa5c-47d0-8660-4dac361e2af1" targetNamespace="http://schemas.microsoft.com/office/2006/metadata/properties" ma:root="true" ma:fieldsID="0f8f031ea856ce36bb2a3b33192d95db" ns3:_="" ns4:_="">
     <xsd:import namespace="a46ab4ca-bc09-4ac5-a31b-eed8c5b60a07"/>
@@ -10733,15 +10861,6 @@
 </ct:contentTypeSchema>
 </file>
 
-<file path=customXml/item2.xml><?xml version="1.0" encoding="utf-8"?>
-<?mso-contentType ?>
-<FormTemplates xmlns="http://schemas.microsoft.com/sharepoint/v3/contenttype/forms">
-  <Display>DocumentLibraryForm</Display>
-  <Edit>DocumentLibraryForm</Edit>
-  <New>DocumentLibraryForm</New>
-</FormTemplates>
-</file>
-
 <file path=customXml/item3.xml><?xml version="1.0" encoding="utf-8"?>
 <p:properties xmlns:p="http://schemas.microsoft.com/office/2006/metadata/properties" xmlns:xsi="http://www.w3.org/2001/XMLSchema-instance" xmlns:pc="http://schemas.microsoft.com/office/infopath/2007/PartnerControls">
   <documentManagement>
@@ -10751,6 +10870,14 @@
 </file>
 
 <file path=customXml/itemProps1.xml><?xml version="1.0" encoding="utf-8"?>
+<ds:datastoreItem xmlns:ds="http://schemas.openxmlformats.org/officeDocument/2006/customXml" ds:itemID="{2E14384D-F933-4E9A-8BF2-A02C7A4F1D0B}">
+  <ds:schemaRefs>
+    <ds:schemaRef ds:uri="http://schemas.microsoft.com/sharepoint/v3/contenttype/forms"/>
+  </ds:schemaRefs>
+</ds:datastoreItem>
+</file>
+
+<file path=customXml/itemProps2.xml><?xml version="1.0" encoding="utf-8"?>
 <ds:datastoreItem xmlns:ds="http://schemas.openxmlformats.org/officeDocument/2006/customXml" ds:itemID="{6E383C42-F081-43C3-8531-C104895F8C1A}">
   <ds:schemaRefs>
     <ds:schemaRef ds:uri="http://schemas.microsoft.com/office/2006/metadata/contentType"/>
@@ -10765,14 +10892,6 @@
     <ds:schemaRef ds:uri="http://purl.org/dc/elements/1.1/"/>
     <ds:schemaRef ds:uri="http://purl.org/dc/terms/"/>
     <ds:schemaRef ds:uri="http://schemas.microsoft.com/internal/obd"/>
-  </ds:schemaRefs>
-</ds:datastoreItem>
-</file>
-
-<file path=customXml/itemProps2.xml><?xml version="1.0" encoding="utf-8"?>
-<ds:datastoreItem xmlns:ds="http://schemas.openxmlformats.org/officeDocument/2006/customXml" ds:itemID="{2E14384D-F933-4E9A-8BF2-A02C7A4F1D0B}">
-  <ds:schemaRefs>
-    <ds:schemaRef ds:uri="http://schemas.microsoft.com/sharepoint/v3/contenttype/forms"/>
   </ds:schemaRefs>
 </ds:datastoreItem>
 </file>
